--- a/04-refactoring_cookbooks_with_tests.pptx
+++ b/04-refactoring_cookbooks_with_tests.pptx
@@ -13953,7 +13953,7 @@
                 <a:ea typeface="+mn-ea"/>
                 <a:cs typeface="+mn-cs"/>
               </a:rPr>
-              <a:t>2017</a:t>
+              <a:t>2018</a:t>
             </a:r>
             <a:r>
               <a:rPr lang="en-US" dirty="0">
@@ -14715,7 +14715,7 @@
                 <a:ea typeface="+mn-ea"/>
                 <a:cs typeface="+mn-cs"/>
               </a:rPr>
-              <a:t>2017</a:t>
+              <a:t>2018</a:t>
             </a:r>
             <a:r>
               <a:rPr lang="en-US" dirty="0">
@@ -15646,7 +15646,7 @@
           <a:p>
             <a:r>
               <a:rPr lang="en-US" dirty="0"/>
-              <a:t># Cookbook Name:: apache</a:t>
+              <a:t># Cookbook::apache</a:t>
             </a:r>
           </a:p>
           <a:p>
@@ -15664,7 +15664,7 @@
           <a:p>
             <a:r>
               <a:rPr lang="en-US" dirty="0"/>
-              <a:t># Copyright (c) 2015 The Authors, All Rights Reserved.</a:t>
+              <a:t># Copyright:: 2018, The Authors, All Rights Reserved.</a:t>
             </a:r>
           </a:p>
           <a:p>
@@ -15816,7 +15816,7 @@
           <a:p>
             <a:r>
               <a:rPr lang="en-US" dirty="0"/>
-              <a:t># Cookbook Name:: apache</a:t>
+              <a:t># Cookbook:: apache</a:t>
             </a:r>
           </a:p>
           <a:p>
@@ -15834,7 +15834,7 @@
           <a:p>
             <a:r>
               <a:rPr lang="en-US" dirty="0"/>
-              <a:t># Copyright (c) 2015 The Authors, All Rights Reserved.</a:t>
+              <a:t># Copyright:: 2018, The Authors, All Rights Reserved.</a:t>
             </a:r>
           </a:p>
           <a:p>
@@ -16055,7 +16055,7 @@
           <a:p>
             <a:r>
               <a:rPr lang="en-US" dirty="0"/>
-              <a:t># Cookbook Name:: apache</a:t>
+              <a:t># Cookbook:: apache</a:t>
             </a:r>
           </a:p>
           <a:p>
@@ -16073,7 +16073,7 @@
           <a:p>
             <a:r>
               <a:rPr lang="en-US" dirty="0"/>
-              <a:t># Copyright (c) 2015 The Authors, All Rights Reserved.</a:t>
+              <a:t># Copyright:: 2018, The Authors, All Rights Reserved.</a:t>
             </a:r>
           </a:p>
           <a:p>
@@ -16529,7 +16529,7 @@
             </a:r>
             <a:r>
               <a:rPr lang="nb-NO" dirty="0"/>
-              <a:t>1.11.1</a:t>
+              <a:t>1.19.2</a:t>
             </a:r>
             <a:r>
               <a:rPr lang="en-US" dirty="0"/>
@@ -16709,77 +16709,164 @@
           <a:lstStyle/>
           <a:p>
             <a:r>
-              <a:rPr lang="en-US" dirty="0"/>
-              <a:t>-----&gt; Starting Kitchen (v1.11.1)</a:t>
-            </a:r>
-          </a:p>
-          <a:p>
-            <a:r>
-              <a:rPr lang="en-US" dirty="0"/>
+              <a:rPr lang="en-US" sz="2400" dirty="0"/>
+              <a:t>-----&gt; Starting Kitchen (v1.19.2)</a:t>
+            </a:r>
+          </a:p>
+          <a:p>
+            <a:r>
+              <a:rPr lang="en-US" sz="2400" dirty="0">
+                <a:solidFill>
+                  <a:schemeClr val="accent5"/>
+                </a:solidFill>
+              </a:rPr>
               <a:t>-----&gt; Verifying &lt;default-centos-69&gt;...</a:t>
             </a:r>
           </a:p>
           <a:p>
             <a:r>
-              <a:rPr lang="en-US" dirty="0"/>
+              <a:rPr lang="en-US" sz="2400" dirty="0">
+                <a:solidFill>
+                  <a:schemeClr val="accent5"/>
+                </a:solidFill>
+              </a:rPr>
               <a:t>       Use `/home/chef/apache/test/smoke/default` for testing</a:t>
             </a:r>
           </a:p>
           <a:p>
-            <a:endParaRPr lang="en-US" dirty="0"/>
-          </a:p>
-          <a:p>
-            <a:r>
-              <a:rPr lang="en-US" dirty="0"/>
+            <a:r>
+              <a:rPr lang="en-US" sz="2400" dirty="0"/>
+              <a:t>...</a:t>
+            </a:r>
+          </a:p>
+          <a:p>
+            <a:r>
+              <a:rPr lang="en-US" sz="2400" dirty="0"/>
               <a:t>Target:  </a:t>
             </a:r>
             <a:r>
-              <a:rPr lang="en-US" dirty="0" err="1"/>
+              <a:rPr lang="en-US" sz="2400" dirty="0" err="1"/>
               <a:t>ssh</a:t>
             </a:r>
             <a:r>
-              <a:rPr lang="en-US" dirty="0"/>
-              <a:t>://kitchen@localhost:32770</a:t>
-            </a:r>
-          </a:p>
-          <a:p>
-            <a:endParaRPr lang="en-US" dirty="0"/>
-          </a:p>
-          <a:p>
-            <a:r>
-              <a:rPr lang="en-US" dirty="0"/>
-              <a:t>  ✔  Port 80 should be listening</a:t>
-            </a:r>
-          </a:p>
-          <a:p>
-            <a:r>
-              <a:rPr lang="en-US" dirty="0"/>
-              <a:t>  ✔  Command curl </a:t>
-            </a:r>
-            <a:r>
-              <a:rPr lang="en-US" dirty="0" err="1"/>
-              <a:t>localhost</a:t>
-            </a:r>
-            <a:r>
-              <a:rPr lang="en-US" dirty="0"/>
-              <a:t> </a:t>
-            </a:r>
-            <a:r>
-              <a:rPr lang="en-US" dirty="0" err="1"/>
+              <a:rPr lang="en-US" sz="2400" dirty="0"/>
+              <a:t>://kitchen@localhost:32768</a:t>
+            </a:r>
+          </a:p>
+          <a:p>
+            <a:endParaRPr lang="en-US" sz="2400" dirty="0"/>
+          </a:p>
+          <a:p>
+            <a:r>
+              <a:rPr lang="en-US" sz="2400" dirty="0">
+                <a:solidFill>
+                  <a:schemeClr val="accent6"/>
+                </a:solidFill>
+              </a:rPr>
+              <a:t>  </a:t>
+            </a:r>
+            <a:r>
+              <a:rPr lang="en-US" sz="2400" dirty="0">
+                <a:solidFill>
+                  <a:schemeClr val="bg1"/>
+                </a:solidFill>
+              </a:rPr>
+              <a:t>Port 80</a:t>
+            </a:r>
+          </a:p>
+          <a:p>
+            <a:r>
+              <a:rPr lang="en-US" sz="2400" dirty="0">
+                <a:solidFill>
+                  <a:schemeClr val="accent6"/>
+                </a:solidFill>
+              </a:rPr>
+              <a:t>     </a:t>
+            </a:r>
+            <a:r>
+              <a:rPr lang="en-US" sz="2400" dirty="0">
+                <a:solidFill>
+                  <a:srgbClr val="01D75F"/>
+                </a:solidFill>
+              </a:rPr>
+              <a:t>✔  should be listening</a:t>
+            </a:r>
+          </a:p>
+          <a:p>
+            <a:r>
+              <a:rPr lang="en-US" sz="2400" dirty="0">
+                <a:solidFill>
+                  <a:schemeClr val="bg1"/>
+                </a:solidFill>
+              </a:rPr>
+              <a:t>  Command curl</a:t>
+            </a:r>
+          </a:p>
+          <a:p>
+            <a:r>
+              <a:rPr lang="en-US" sz="2400" dirty="0">
+                <a:solidFill>
+                  <a:schemeClr val="accent6"/>
+                </a:solidFill>
+              </a:rPr>
+              <a:t>     </a:t>
+            </a:r>
+            <a:r>
+              <a:rPr lang="en-US" sz="2400" dirty="0">
+                <a:solidFill>
+                  <a:srgbClr val="01D75F"/>
+                </a:solidFill>
+              </a:rPr>
+              <a:t>✔  Command curl localhost </a:t>
+            </a:r>
+            <a:r>
+              <a:rPr lang="en-US" sz="2400" dirty="0" err="1">
+                <a:solidFill>
+                  <a:srgbClr val="01D75F"/>
+                </a:solidFill>
+              </a:rPr>
               <a:t>stdout</a:t>
             </a:r>
             <a:r>
-              <a:rPr lang="en-US" dirty="0"/>
+              <a:rPr lang="en-US" sz="2400" dirty="0">
+                <a:solidFill>
+                  <a:srgbClr val="01D75F"/>
+                </a:solidFill>
+              </a:rPr>
               <a:t> should match /Welcome Home/</a:t>
             </a:r>
           </a:p>
           <a:p>
-            <a:endParaRPr lang="en-US" dirty="0"/>
-          </a:p>
-          <a:p>
-            <a:r>
-              <a:rPr lang="en-US" dirty="0"/>
-              <a:t>Summary: 2 successful, 0 failures, 0 skipped</a:t>
+            <a:endParaRPr lang="en-US" sz="2400" dirty="0">
+              <a:solidFill>
+                <a:schemeClr val="accent6"/>
+              </a:solidFill>
+            </a:endParaRPr>
+          </a:p>
+          <a:p>
+            <a:r>
+              <a:rPr lang="en-US" sz="2400" dirty="0">
+                <a:solidFill>
+                  <a:schemeClr val="bg1"/>
+                </a:solidFill>
+              </a:rPr>
+              <a:t>Summary: </a:t>
+            </a:r>
+            <a:r>
+              <a:rPr lang="en-US" sz="2400" dirty="0">
+                <a:solidFill>
+                  <a:srgbClr val="01D75F"/>
+                </a:solidFill>
+              </a:rPr>
+              <a:t>2 successful</a:t>
+            </a:r>
+            <a:r>
+              <a:rPr lang="en-US" sz="2400" dirty="0">
+                <a:solidFill>
+                  <a:schemeClr val="bg1"/>
+                </a:solidFill>
+              </a:rPr>
+              <a:t>, 0 failures, 0 skipped</a:t>
             </a:r>
           </a:p>
         </p:txBody>
@@ -17764,7 +17851,7 @@
           <a:p>
             <a:r>
               <a:rPr lang="en-US" dirty="0"/>
-              <a:t># Cookbook Name:: apache</a:t>
+              <a:t># Cookbook:: apache</a:t>
             </a:r>
           </a:p>
           <a:p>
@@ -17782,7 +17869,7 @@
           <a:p>
             <a:r>
               <a:rPr lang="en-US" dirty="0"/>
-              <a:t># Copyright (c) 2015 The Authors, All Rights Reserved.</a:t>
+              <a:t># Copyright:: 2018, The Authors, All Rights Reserved.</a:t>
             </a:r>
           </a:p>
           <a:p>
@@ -17954,7 +18041,7 @@
           <a:p>
             <a:r>
               <a:rPr lang="en-US" dirty="0"/>
-              <a:t># Cookbook Name:: apache</a:t>
+              <a:t># Cookbook:: apache</a:t>
             </a:r>
           </a:p>
           <a:p>
@@ -17972,7 +18059,7 @@
           <a:p>
             <a:r>
               <a:rPr lang="en-US" dirty="0"/>
-              <a:t># Copyright (c) 2015 The Authors, All Rights Reserved.</a:t>
+              <a:t># Copyright:: 2018, The Authors, All Rights Reserved.</a:t>
             </a:r>
           </a:p>
           <a:p>
@@ -18189,7 +18276,7 @@
           <a:p>
             <a:r>
               <a:rPr lang="en-US" dirty="0"/>
-              <a:t># Cookbook Name:: apache</a:t>
+              <a:t># Cookbook:: apache</a:t>
             </a:r>
           </a:p>
           <a:p>
@@ -18207,7 +18294,7 @@
           <a:p>
             <a:r>
               <a:rPr lang="en-US" dirty="0"/>
-              <a:t># Copyright (c) 2015 The Authors, All Rights Reserved.</a:t>
+              <a:t># Copyright:: 2018, The Authors, All Rights Reserved.</a:t>
             </a:r>
           </a:p>
           <a:p>
@@ -18369,7 +18456,7 @@
             </a:r>
             <a:r>
               <a:rPr lang="nb-NO" dirty="0"/>
-              <a:t>1.11.1</a:t>
+              <a:t>1.19.2</a:t>
             </a:r>
             <a:r>
               <a:rPr lang="en-US" dirty="0"/>
@@ -18549,77 +18636,164 @@
           <a:lstStyle/>
           <a:p>
             <a:r>
-              <a:rPr lang="en-US" dirty="0"/>
-              <a:t>-----&gt; Starting Kitchen (v1.11.1)</a:t>
-            </a:r>
-          </a:p>
-          <a:p>
-            <a:r>
-              <a:rPr lang="en-US" dirty="0"/>
+              <a:rPr lang="en-US" sz="2400" dirty="0"/>
+              <a:t>-----&gt; Starting Kitchen (v1.19.2)</a:t>
+            </a:r>
+          </a:p>
+          <a:p>
+            <a:r>
+              <a:rPr lang="en-US" sz="2400" dirty="0">
+                <a:solidFill>
+                  <a:schemeClr val="accent5"/>
+                </a:solidFill>
+              </a:rPr>
               <a:t>-----&gt; Verifying &lt;default-centos-69&gt;...</a:t>
             </a:r>
           </a:p>
           <a:p>
             <a:r>
-              <a:rPr lang="en-US" dirty="0"/>
+              <a:rPr lang="en-US" sz="2400" dirty="0">
+                <a:solidFill>
+                  <a:schemeClr val="accent5"/>
+                </a:solidFill>
+              </a:rPr>
               <a:t>       Use `/home/chef/apache/test/smoke/default` for testing</a:t>
             </a:r>
           </a:p>
           <a:p>
-            <a:endParaRPr lang="en-US" dirty="0"/>
-          </a:p>
-          <a:p>
-            <a:r>
-              <a:rPr lang="en-US" dirty="0"/>
+            <a:r>
+              <a:rPr lang="en-US" sz="2400" dirty="0"/>
+              <a:t>...</a:t>
+            </a:r>
+          </a:p>
+          <a:p>
+            <a:r>
+              <a:rPr lang="en-US" sz="2400" dirty="0"/>
               <a:t>Target:  </a:t>
             </a:r>
             <a:r>
-              <a:rPr lang="en-US" dirty="0" err="1"/>
+              <a:rPr lang="en-US" sz="2400" dirty="0" err="1"/>
               <a:t>ssh</a:t>
             </a:r>
             <a:r>
-              <a:rPr lang="en-US" dirty="0"/>
-              <a:t>://kitchen@localhost:32770</a:t>
-            </a:r>
-          </a:p>
-          <a:p>
-            <a:endParaRPr lang="en-US" dirty="0"/>
-          </a:p>
-          <a:p>
-            <a:r>
-              <a:rPr lang="en-US" dirty="0"/>
-              <a:t>  ✔  Port 80 should be listening</a:t>
-            </a:r>
-          </a:p>
-          <a:p>
-            <a:r>
-              <a:rPr lang="en-US" dirty="0"/>
-              <a:t>  ✔  Command curl </a:t>
-            </a:r>
-            <a:r>
-              <a:rPr lang="en-US" dirty="0" err="1"/>
-              <a:t>localhost</a:t>
-            </a:r>
-            <a:r>
-              <a:rPr lang="en-US" dirty="0"/>
-              <a:t> </a:t>
-            </a:r>
-            <a:r>
-              <a:rPr lang="en-US" dirty="0" err="1"/>
+              <a:rPr lang="en-US" sz="2400" dirty="0"/>
+              <a:t>://kitchen@localhost:32768</a:t>
+            </a:r>
+          </a:p>
+          <a:p>
+            <a:endParaRPr lang="en-US" sz="2400" dirty="0"/>
+          </a:p>
+          <a:p>
+            <a:r>
+              <a:rPr lang="en-US" sz="2400" dirty="0">
+                <a:solidFill>
+                  <a:schemeClr val="accent6"/>
+                </a:solidFill>
+              </a:rPr>
+              <a:t>  </a:t>
+            </a:r>
+            <a:r>
+              <a:rPr lang="en-US" sz="2400" dirty="0">
+                <a:solidFill>
+                  <a:schemeClr val="bg1"/>
+                </a:solidFill>
+              </a:rPr>
+              <a:t>Port 80</a:t>
+            </a:r>
+          </a:p>
+          <a:p>
+            <a:r>
+              <a:rPr lang="en-US" sz="2400" dirty="0">
+                <a:solidFill>
+                  <a:schemeClr val="accent6"/>
+                </a:solidFill>
+              </a:rPr>
+              <a:t>     </a:t>
+            </a:r>
+            <a:r>
+              <a:rPr lang="en-US" sz="2400" dirty="0">
+                <a:solidFill>
+                  <a:srgbClr val="01D75F"/>
+                </a:solidFill>
+              </a:rPr>
+              <a:t>✔  should be listening</a:t>
+            </a:r>
+          </a:p>
+          <a:p>
+            <a:r>
+              <a:rPr lang="en-US" sz="2400" dirty="0">
+                <a:solidFill>
+                  <a:schemeClr val="bg1"/>
+                </a:solidFill>
+              </a:rPr>
+              <a:t>  Command curl</a:t>
+            </a:r>
+          </a:p>
+          <a:p>
+            <a:r>
+              <a:rPr lang="en-US" sz="2400" dirty="0">
+                <a:solidFill>
+                  <a:schemeClr val="accent6"/>
+                </a:solidFill>
+              </a:rPr>
+              <a:t>     </a:t>
+            </a:r>
+            <a:r>
+              <a:rPr lang="en-US" sz="2400" dirty="0">
+                <a:solidFill>
+                  <a:srgbClr val="01D75F"/>
+                </a:solidFill>
+              </a:rPr>
+              <a:t>✔  Command curl localhost </a:t>
+            </a:r>
+            <a:r>
+              <a:rPr lang="en-US" sz="2400" dirty="0" err="1">
+                <a:solidFill>
+                  <a:srgbClr val="01D75F"/>
+                </a:solidFill>
+              </a:rPr>
               <a:t>stdout</a:t>
             </a:r>
             <a:r>
-              <a:rPr lang="en-US" dirty="0"/>
+              <a:rPr lang="en-US" sz="2400" dirty="0">
+                <a:solidFill>
+                  <a:srgbClr val="01D75F"/>
+                </a:solidFill>
+              </a:rPr>
               <a:t> should match /Welcome Home/</a:t>
             </a:r>
           </a:p>
           <a:p>
-            <a:endParaRPr lang="en-US" dirty="0"/>
-          </a:p>
-          <a:p>
-            <a:r>
-              <a:rPr lang="en-US" dirty="0"/>
-              <a:t>Summary: 2 successful, 0 failures, 0 skipped</a:t>
+            <a:endParaRPr lang="en-US" sz="2400" dirty="0">
+              <a:solidFill>
+                <a:schemeClr val="accent6"/>
+              </a:solidFill>
+            </a:endParaRPr>
+          </a:p>
+          <a:p>
+            <a:r>
+              <a:rPr lang="en-US" sz="2400" dirty="0">
+                <a:solidFill>
+                  <a:schemeClr val="bg1"/>
+                </a:solidFill>
+              </a:rPr>
+              <a:t>Summary: </a:t>
+            </a:r>
+            <a:r>
+              <a:rPr lang="en-US" sz="2400" dirty="0">
+                <a:solidFill>
+                  <a:srgbClr val="01D75F"/>
+                </a:solidFill>
+              </a:rPr>
+              <a:t>2 successful</a:t>
+            </a:r>
+            <a:r>
+              <a:rPr lang="en-US" sz="2400" dirty="0">
+                <a:solidFill>
+                  <a:schemeClr val="bg1"/>
+                </a:solidFill>
+              </a:rPr>
+              <a:t>, 0 failures, 0 skipped</a:t>
             </a:r>
           </a:p>
         </p:txBody>
@@ -19704,7 +19878,7 @@
           <a:p>
             <a:r>
               <a:rPr lang="en-US" dirty="0"/>
-              <a:t># Cookbook Name:: apache</a:t>
+              <a:t># Cookbook:: apache</a:t>
             </a:r>
           </a:p>
           <a:p>
@@ -19722,7 +19896,7 @@
           <a:p>
             <a:r>
               <a:rPr lang="en-US" dirty="0"/>
-              <a:t># Copyright (c) 2015 The Authors, All Rights Reserved.</a:t>
+              <a:t># Copyright:: 2018, The Authors, All Rights Reserved.</a:t>
             </a:r>
           </a:p>
           <a:p>
@@ -19886,7 +20060,7 @@
           <a:p>
             <a:r>
               <a:rPr lang="en-US" dirty="0"/>
-              <a:t># Cookbook Name:: apache</a:t>
+              <a:t># Cookbook:: apache</a:t>
             </a:r>
           </a:p>
           <a:p>
@@ -19904,7 +20078,7 @@
           <a:p>
             <a:r>
               <a:rPr lang="en-US" dirty="0"/>
-              <a:t># Copyright (c) 2015 The Authors, All Rights Reserved.</a:t>
+              <a:t># Copyright:: 2018, The Authors, All Rights Reserved.</a:t>
             </a:r>
           </a:p>
           <a:p>
@@ -20094,7 +20268,7 @@
           <a:p>
             <a:r>
               <a:rPr lang="en-US" dirty="0"/>
-              <a:t># Cookbook Name:: apache</a:t>
+              <a:t># Cookbook:: apache</a:t>
             </a:r>
           </a:p>
           <a:p>
@@ -20112,7 +20286,7 @@
           <a:p>
             <a:r>
               <a:rPr lang="en-US" dirty="0"/>
-              <a:t># Copyright (c) 2015 The Authors, All Rights Reserved.</a:t>
+              <a:t># Copyright:: 2018, The Authors, All Rights Reserved.</a:t>
             </a:r>
           </a:p>
           <a:p>
@@ -20252,7 +20426,7 @@
             </a:r>
             <a:r>
               <a:rPr lang="nb-NO" dirty="0"/>
-              <a:t>1.11.1</a:t>
+              <a:t>1.19.2</a:t>
             </a:r>
             <a:r>
               <a:rPr lang="en-US" dirty="0"/>
@@ -20432,77 +20606,164 @@
           <a:lstStyle/>
           <a:p>
             <a:r>
-              <a:rPr lang="en-US" dirty="0"/>
-              <a:t>-----&gt; Starting Kitchen (v1.11.1)</a:t>
-            </a:r>
-          </a:p>
-          <a:p>
-            <a:r>
-              <a:rPr lang="en-US" dirty="0"/>
+              <a:rPr lang="en-US" sz="2400" dirty="0"/>
+              <a:t>-----&gt; Starting Kitchen (v1.19.2)</a:t>
+            </a:r>
+          </a:p>
+          <a:p>
+            <a:r>
+              <a:rPr lang="en-US" sz="2400" dirty="0">
+                <a:solidFill>
+                  <a:schemeClr val="accent5"/>
+                </a:solidFill>
+              </a:rPr>
               <a:t>-----&gt; Verifying &lt;default-centos-69&gt;...</a:t>
             </a:r>
           </a:p>
           <a:p>
             <a:r>
-              <a:rPr lang="en-US" dirty="0"/>
+              <a:rPr lang="en-US" sz="2400" dirty="0">
+                <a:solidFill>
+                  <a:schemeClr val="accent5"/>
+                </a:solidFill>
+              </a:rPr>
               <a:t>       Use `/home/chef/apache/test/smoke/default` for testing</a:t>
             </a:r>
           </a:p>
           <a:p>
-            <a:endParaRPr lang="en-US" dirty="0"/>
-          </a:p>
-          <a:p>
-            <a:r>
-              <a:rPr lang="en-US" dirty="0"/>
+            <a:r>
+              <a:rPr lang="en-US" sz="2400" dirty="0"/>
+              <a:t>...</a:t>
+            </a:r>
+          </a:p>
+          <a:p>
+            <a:r>
+              <a:rPr lang="en-US" sz="2400" dirty="0"/>
               <a:t>Target:  </a:t>
             </a:r>
             <a:r>
-              <a:rPr lang="en-US" dirty="0" err="1"/>
+              <a:rPr lang="en-US" sz="2400" dirty="0" err="1"/>
               <a:t>ssh</a:t>
             </a:r>
             <a:r>
-              <a:rPr lang="en-US" dirty="0"/>
-              <a:t>://kitchen@localhost:32770</a:t>
-            </a:r>
-          </a:p>
-          <a:p>
-            <a:endParaRPr lang="en-US" dirty="0"/>
-          </a:p>
-          <a:p>
-            <a:r>
-              <a:rPr lang="en-US" dirty="0"/>
-              <a:t>  ✔  Port 80 should be listening</a:t>
-            </a:r>
-          </a:p>
-          <a:p>
-            <a:r>
-              <a:rPr lang="en-US" dirty="0"/>
-              <a:t>  ✔  Command curl </a:t>
-            </a:r>
-            <a:r>
-              <a:rPr lang="en-US" dirty="0" err="1"/>
-              <a:t>localhost</a:t>
-            </a:r>
-            <a:r>
-              <a:rPr lang="en-US" dirty="0"/>
-              <a:t> </a:t>
-            </a:r>
-            <a:r>
-              <a:rPr lang="en-US" dirty="0" err="1"/>
+              <a:rPr lang="en-US" sz="2400" dirty="0"/>
+              <a:t>://kitchen@localhost:32768</a:t>
+            </a:r>
+          </a:p>
+          <a:p>
+            <a:endParaRPr lang="en-US" sz="2400" dirty="0"/>
+          </a:p>
+          <a:p>
+            <a:r>
+              <a:rPr lang="en-US" sz="2400" dirty="0">
+                <a:solidFill>
+                  <a:schemeClr val="accent6"/>
+                </a:solidFill>
+              </a:rPr>
+              <a:t>  </a:t>
+            </a:r>
+            <a:r>
+              <a:rPr lang="en-US" sz="2400" dirty="0">
+                <a:solidFill>
+                  <a:schemeClr val="bg1"/>
+                </a:solidFill>
+              </a:rPr>
+              <a:t>Port 80</a:t>
+            </a:r>
+          </a:p>
+          <a:p>
+            <a:r>
+              <a:rPr lang="en-US" sz="2400" dirty="0">
+                <a:solidFill>
+                  <a:schemeClr val="accent6"/>
+                </a:solidFill>
+              </a:rPr>
+              <a:t>     </a:t>
+            </a:r>
+            <a:r>
+              <a:rPr lang="en-US" sz="2400" dirty="0">
+                <a:solidFill>
+                  <a:srgbClr val="01D75F"/>
+                </a:solidFill>
+              </a:rPr>
+              <a:t>✔  should be listening</a:t>
+            </a:r>
+          </a:p>
+          <a:p>
+            <a:r>
+              <a:rPr lang="en-US" sz="2400" dirty="0">
+                <a:solidFill>
+                  <a:schemeClr val="bg1"/>
+                </a:solidFill>
+              </a:rPr>
+              <a:t>  Command curl</a:t>
+            </a:r>
+          </a:p>
+          <a:p>
+            <a:r>
+              <a:rPr lang="en-US" sz="2400" dirty="0">
+                <a:solidFill>
+                  <a:schemeClr val="accent6"/>
+                </a:solidFill>
+              </a:rPr>
+              <a:t>     </a:t>
+            </a:r>
+            <a:r>
+              <a:rPr lang="en-US" sz="2400" dirty="0">
+                <a:solidFill>
+                  <a:srgbClr val="01D75F"/>
+                </a:solidFill>
+              </a:rPr>
+              <a:t>✔  Command curl localhost </a:t>
+            </a:r>
+            <a:r>
+              <a:rPr lang="en-US" sz="2400" dirty="0" err="1">
+                <a:solidFill>
+                  <a:srgbClr val="01D75F"/>
+                </a:solidFill>
+              </a:rPr>
               <a:t>stdout</a:t>
             </a:r>
             <a:r>
-              <a:rPr lang="en-US" dirty="0"/>
+              <a:rPr lang="en-US" sz="2400" dirty="0">
+                <a:solidFill>
+                  <a:srgbClr val="01D75F"/>
+                </a:solidFill>
+              </a:rPr>
               <a:t> should match /Welcome Home/</a:t>
             </a:r>
           </a:p>
           <a:p>
-            <a:endParaRPr lang="en-US" dirty="0"/>
-          </a:p>
-          <a:p>
-            <a:r>
-              <a:rPr lang="en-US" dirty="0"/>
-              <a:t>Summary: 2 successful, 0 failures, 0 skipped</a:t>
+            <a:endParaRPr lang="en-US" sz="2400" dirty="0">
+              <a:solidFill>
+                <a:schemeClr val="accent6"/>
+              </a:solidFill>
+            </a:endParaRPr>
+          </a:p>
+          <a:p>
+            <a:r>
+              <a:rPr lang="en-US" sz="2400" dirty="0">
+                <a:solidFill>
+                  <a:schemeClr val="bg1"/>
+                </a:solidFill>
+              </a:rPr>
+              <a:t>Summary: </a:t>
+            </a:r>
+            <a:r>
+              <a:rPr lang="en-US" sz="2400" dirty="0">
+                <a:solidFill>
+                  <a:srgbClr val="01D75F"/>
+                </a:solidFill>
+              </a:rPr>
+              <a:t>2 successful</a:t>
+            </a:r>
+            <a:r>
+              <a:rPr lang="en-US" sz="2400" dirty="0">
+                <a:solidFill>
+                  <a:schemeClr val="bg1"/>
+                </a:solidFill>
+              </a:rPr>
+              <a:t>, 0 failures, 0 skipped</a:t>
             </a:r>
           </a:p>
         </p:txBody>
@@ -21226,7 +21487,7 @@
           <a:p>
             <a:r>
               <a:rPr lang="en-US" dirty="0"/>
-              <a:t># Cookbook Name:: apache</a:t>
+              <a:t># Cookbook:: apache</a:t>
             </a:r>
           </a:p>
           <a:p>
@@ -21244,7 +21505,7 @@
           <a:p>
             <a:r>
               <a:rPr lang="en-US" dirty="0"/>
-              <a:t># Copyright (c) 2015 The Authors, All Rights Reserved.</a:t>
+              <a:t># Copyright:: 2018, The Authors, All Rights Reserved.</a:t>
             </a:r>
           </a:p>
           <a:p>
@@ -22924,77 +23185,164 @@
           <a:lstStyle/>
           <a:p>
             <a:r>
-              <a:rPr lang="en-US" dirty="0"/>
-              <a:t>-----&gt; Starting Kitchen (v1.11.1)</a:t>
-            </a:r>
-          </a:p>
-          <a:p>
-            <a:r>
-              <a:rPr lang="en-US" dirty="0"/>
+              <a:rPr lang="en-US" sz="2400" dirty="0"/>
+              <a:t>-----&gt; Starting Kitchen (v1.19.2)</a:t>
+            </a:r>
+          </a:p>
+          <a:p>
+            <a:r>
+              <a:rPr lang="en-US" sz="2400" dirty="0">
+                <a:solidFill>
+                  <a:schemeClr val="accent5"/>
+                </a:solidFill>
+              </a:rPr>
               <a:t>-----&gt; Verifying &lt;default-centos-69&gt;...</a:t>
             </a:r>
           </a:p>
           <a:p>
             <a:r>
-              <a:rPr lang="en-US" dirty="0"/>
+              <a:rPr lang="en-US" sz="2400" dirty="0">
+                <a:solidFill>
+                  <a:schemeClr val="accent5"/>
+                </a:solidFill>
+              </a:rPr>
               <a:t>       Use `/home/chef/apache/test/smoke/default` for testing</a:t>
             </a:r>
           </a:p>
           <a:p>
-            <a:endParaRPr lang="en-US" dirty="0"/>
-          </a:p>
-          <a:p>
-            <a:r>
-              <a:rPr lang="en-US" dirty="0"/>
+            <a:r>
+              <a:rPr lang="en-US" sz="2400" dirty="0"/>
+              <a:t>...</a:t>
+            </a:r>
+          </a:p>
+          <a:p>
+            <a:r>
+              <a:rPr lang="en-US" sz="2400" dirty="0"/>
               <a:t>Target:  </a:t>
             </a:r>
             <a:r>
-              <a:rPr lang="en-US" dirty="0" err="1"/>
+              <a:rPr lang="en-US" sz="2400" dirty="0" err="1"/>
               <a:t>ssh</a:t>
             </a:r>
             <a:r>
-              <a:rPr lang="en-US" dirty="0"/>
-              <a:t>://kitchen@localhost:32770</a:t>
-            </a:r>
-          </a:p>
-          <a:p>
-            <a:endParaRPr lang="en-US" dirty="0"/>
-          </a:p>
-          <a:p>
-            <a:r>
-              <a:rPr lang="en-US" dirty="0"/>
-              <a:t>  ✔  Port 80 should be listening</a:t>
-            </a:r>
-          </a:p>
-          <a:p>
-            <a:r>
-              <a:rPr lang="en-US" dirty="0"/>
-              <a:t>  ✔  Command curl </a:t>
-            </a:r>
-            <a:r>
-              <a:rPr lang="en-US" dirty="0" err="1"/>
-              <a:t>localhost</a:t>
-            </a:r>
-            <a:r>
-              <a:rPr lang="en-US" dirty="0"/>
-              <a:t> </a:t>
-            </a:r>
-            <a:r>
-              <a:rPr lang="en-US" dirty="0" err="1"/>
+              <a:rPr lang="en-US" sz="2400" dirty="0"/>
+              <a:t>://kitchen@localhost:32768</a:t>
+            </a:r>
+          </a:p>
+          <a:p>
+            <a:endParaRPr lang="en-US" sz="2400" dirty="0"/>
+          </a:p>
+          <a:p>
+            <a:r>
+              <a:rPr lang="en-US" sz="2400" dirty="0">
+                <a:solidFill>
+                  <a:schemeClr val="accent6"/>
+                </a:solidFill>
+              </a:rPr>
+              <a:t>  </a:t>
+            </a:r>
+            <a:r>
+              <a:rPr lang="en-US" sz="2400" dirty="0">
+                <a:solidFill>
+                  <a:schemeClr val="bg1"/>
+                </a:solidFill>
+              </a:rPr>
+              <a:t>Port 80</a:t>
+            </a:r>
+          </a:p>
+          <a:p>
+            <a:r>
+              <a:rPr lang="en-US" sz="2400" dirty="0">
+                <a:solidFill>
+                  <a:schemeClr val="accent6"/>
+                </a:solidFill>
+              </a:rPr>
+              <a:t>     </a:t>
+            </a:r>
+            <a:r>
+              <a:rPr lang="en-US" sz="2400" dirty="0">
+                <a:solidFill>
+                  <a:srgbClr val="01D75F"/>
+                </a:solidFill>
+              </a:rPr>
+              <a:t>✔  should be listening</a:t>
+            </a:r>
+          </a:p>
+          <a:p>
+            <a:r>
+              <a:rPr lang="en-US" sz="2400" dirty="0">
+                <a:solidFill>
+                  <a:schemeClr val="bg1"/>
+                </a:solidFill>
+              </a:rPr>
+              <a:t>  Command curl</a:t>
+            </a:r>
+          </a:p>
+          <a:p>
+            <a:r>
+              <a:rPr lang="en-US" sz="2400" dirty="0">
+                <a:solidFill>
+                  <a:schemeClr val="accent6"/>
+                </a:solidFill>
+              </a:rPr>
+              <a:t>     </a:t>
+            </a:r>
+            <a:r>
+              <a:rPr lang="en-US" sz="2400" dirty="0">
+                <a:solidFill>
+                  <a:srgbClr val="01D75F"/>
+                </a:solidFill>
+              </a:rPr>
+              <a:t>✔  Command curl localhost </a:t>
+            </a:r>
+            <a:r>
+              <a:rPr lang="en-US" sz="2400" dirty="0" err="1">
+                <a:solidFill>
+                  <a:srgbClr val="01D75F"/>
+                </a:solidFill>
+              </a:rPr>
               <a:t>stdout</a:t>
             </a:r>
             <a:r>
-              <a:rPr lang="en-US" dirty="0"/>
+              <a:rPr lang="en-US" sz="2400" dirty="0">
+                <a:solidFill>
+                  <a:srgbClr val="01D75F"/>
+                </a:solidFill>
+              </a:rPr>
               <a:t> should match /Welcome Home/</a:t>
             </a:r>
           </a:p>
           <a:p>
-            <a:endParaRPr lang="en-US" dirty="0"/>
-          </a:p>
-          <a:p>
-            <a:r>
-              <a:rPr lang="en-US" dirty="0"/>
-              <a:t>Summary: 2 successful, 0 failures, 0 skipped</a:t>
+            <a:endParaRPr lang="en-US" sz="2400" dirty="0">
+              <a:solidFill>
+                <a:schemeClr val="accent6"/>
+              </a:solidFill>
+            </a:endParaRPr>
+          </a:p>
+          <a:p>
+            <a:r>
+              <a:rPr lang="en-US" sz="2400" dirty="0">
+                <a:solidFill>
+                  <a:schemeClr val="bg1"/>
+                </a:solidFill>
+              </a:rPr>
+              <a:t>Summary: </a:t>
+            </a:r>
+            <a:r>
+              <a:rPr lang="en-US" sz="2400" dirty="0">
+                <a:solidFill>
+                  <a:srgbClr val="01D75F"/>
+                </a:solidFill>
+              </a:rPr>
+              <a:t>2 successful</a:t>
+            </a:r>
+            <a:r>
+              <a:rPr lang="en-US" sz="2400" dirty="0">
+                <a:solidFill>
+                  <a:schemeClr val="bg1"/>
+                </a:solidFill>
+              </a:rPr>
+              <a:t>, 0 failures, 0 skipped</a:t>
             </a:r>
           </a:p>
         </p:txBody>
@@ -23033,7 +23381,7 @@
         </p:nvSpPr>
         <p:spPr>
           <a:xfrm>
-            <a:off x="1127883" y="7132981"/>
+            <a:off x="1122782" y="7339230"/>
             <a:ext cx="14420850" cy="557213"/>
           </a:xfrm>
         </p:spPr>
@@ -25890,15 +26238,7 @@
           <a:p>
             <a:r>
               <a:rPr lang="en-US" dirty="0"/>
-              <a:t>       [</a:t>
-            </a:r>
-            <a:r>
-              <a:rPr lang="is-IS" dirty="0"/>
-              <a:t>2017</a:t>
-            </a:r>
-            <a:r>
-              <a:rPr lang="en-US" dirty="0"/>
-              <a:t>-08-29T20:29:16+00:00] FATAL: Chef::Exceptions::</a:t>
+              <a:t>       [TIMESTAMP] FATAL: Chef::Exceptions::</a:t>
             </a:r>
             <a:r>
               <a:rPr lang="en-US" dirty="0" err="1"/>
@@ -29775,61 +30115,6 @@
 </file>
 
 <file path=customXml/item1.xml><?xml version="1.0" encoding="utf-8"?>
-<?mso-contentType ?>
-<FormTemplates xmlns="http://schemas.microsoft.com/sharepoint/v3/contenttype/forms">
-  <Display>DocumentLibraryForm</Display>
-  <Edit>DocumentLibraryForm</Edit>
-  <New>DocumentLibraryForm</New>
-</FormTemplates>
-</file>
-
-<file path=customXml/item2.xml><?xml version="1.0" encoding="utf-8"?>
-<?mso-contentType ?>
-<spe:Receivers xmlns:spe="http://schemas.microsoft.com/sharepoint/events">
-  <Receiver>
-    <Name>Document ID Generator</Name>
-    <Synchronization>Synchronous</Synchronization>
-    <Type>10001</Type>
-    <SequenceNumber>1000</SequenceNumber>
-    <Assembly>Microsoft.Office.DocumentManagement, Version=14.0.0.0, Culture=neutral, PublicKeyToken=71e9bce111e9429c</Assembly>
-    <Class>Microsoft.Office.DocumentManagement.Internal.DocIdHandler</Class>
-    <Data/>
-    <Filter/>
-  </Receiver>
-  <Receiver>
-    <Name>Document ID Generator</Name>
-    <Synchronization>Synchronous</Synchronization>
-    <Type>10002</Type>
-    <SequenceNumber>1001</SequenceNumber>
-    <Assembly>Microsoft.Office.DocumentManagement, Version=14.0.0.0, Culture=neutral, PublicKeyToken=71e9bce111e9429c</Assembly>
-    <Class>Microsoft.Office.DocumentManagement.Internal.DocIdHandler</Class>
-    <Data/>
-    <Filter/>
-  </Receiver>
-  <Receiver>
-    <Name>Document ID Generator</Name>
-    <Synchronization>Synchronous</Synchronization>
-    <Type>10004</Type>
-    <SequenceNumber>1002</SequenceNumber>
-    <Assembly>Microsoft.Office.DocumentManagement, Version=14.0.0.0, Culture=neutral, PublicKeyToken=71e9bce111e9429c</Assembly>
-    <Class>Microsoft.Office.DocumentManagement.Internal.DocIdHandler</Class>
-    <Data/>
-    <Filter/>
-  </Receiver>
-  <Receiver>
-    <Name>Document ID Generator</Name>
-    <Synchronization>Synchronous</Synchronization>
-    <Type>10006</Type>
-    <SequenceNumber>1003</SequenceNumber>
-    <Assembly>Microsoft.Office.DocumentManagement, Version=14.0.0.0, Culture=neutral, PublicKeyToken=71e9bce111e9429c</Assembly>
-    <Class>Microsoft.Office.DocumentManagement.Internal.DocIdHandler</Class>
-    <Data/>
-    <Filter/>
-  </Receiver>
-</spe:Receivers>
-</file>
-
-<file path=customXml/item3.xml><?xml version="1.0" encoding="utf-8"?>
 <ct:contentTypeSchema xmlns:ct="http://schemas.microsoft.com/office/2006/metadata/contentType" xmlns:ma="http://schemas.microsoft.com/office/2006/metadata/properties/metaAttributes" ct:_="" ma:_="" ma:contentTypeName="Document" ma:contentTypeID="0x0101000812F700BE7F874999720E88173FE491" ma:contentTypeVersion="0" ma:contentTypeDescription="Create a new document." ma:contentTypeScope="" ma:versionID="3f79f408e2ca720b7aba6e0e32464d0c">
   <xsd:schema xmlns:xsd="http://www.w3.org/2001/XMLSchema" xmlns:xs="http://www.w3.org/2001/XMLSchema" xmlns:p="http://schemas.microsoft.com/office/2006/metadata/properties" xmlns:ns2="7bb5d761-a2ea-4873-95f7-7a6658fb3ef0" targetNamespace="http://schemas.microsoft.com/office/2006/metadata/properties" ma:root="true" ma:fieldsID="1e062cd38ba31e406bfc4340fbc7f87a" ns2:_="">
     <xsd:import namespace="7bb5d761-a2ea-4873-95f7-7a6658fb3ef0"/>
@@ -29974,6 +30259,61 @@
 </ct:contentTypeSchema>
 </file>
 
+<file path=customXml/item2.xml><?xml version="1.0" encoding="utf-8"?>
+<?mso-contentType ?>
+<FormTemplates xmlns="http://schemas.microsoft.com/sharepoint/v3/contenttype/forms">
+  <Display>DocumentLibraryForm</Display>
+  <Edit>DocumentLibraryForm</Edit>
+  <New>DocumentLibraryForm</New>
+</FormTemplates>
+</file>
+
+<file path=customXml/item3.xml><?xml version="1.0" encoding="utf-8"?>
+<?mso-contentType ?>
+<spe:Receivers xmlns:spe="http://schemas.microsoft.com/sharepoint/events">
+  <Receiver>
+    <Name>Document ID Generator</Name>
+    <Synchronization>Synchronous</Synchronization>
+    <Type>10001</Type>
+    <SequenceNumber>1000</SequenceNumber>
+    <Assembly>Microsoft.Office.DocumentManagement, Version=14.0.0.0, Culture=neutral, PublicKeyToken=71e9bce111e9429c</Assembly>
+    <Class>Microsoft.Office.DocumentManagement.Internal.DocIdHandler</Class>
+    <Data/>
+    <Filter/>
+  </Receiver>
+  <Receiver>
+    <Name>Document ID Generator</Name>
+    <Synchronization>Synchronous</Synchronization>
+    <Type>10002</Type>
+    <SequenceNumber>1001</SequenceNumber>
+    <Assembly>Microsoft.Office.DocumentManagement, Version=14.0.0.0, Culture=neutral, PublicKeyToken=71e9bce111e9429c</Assembly>
+    <Class>Microsoft.Office.DocumentManagement.Internal.DocIdHandler</Class>
+    <Data/>
+    <Filter/>
+  </Receiver>
+  <Receiver>
+    <Name>Document ID Generator</Name>
+    <Synchronization>Synchronous</Synchronization>
+    <Type>10004</Type>
+    <SequenceNumber>1002</SequenceNumber>
+    <Assembly>Microsoft.Office.DocumentManagement, Version=14.0.0.0, Culture=neutral, PublicKeyToken=71e9bce111e9429c</Assembly>
+    <Class>Microsoft.Office.DocumentManagement.Internal.DocIdHandler</Class>
+    <Data/>
+    <Filter/>
+  </Receiver>
+  <Receiver>
+    <Name>Document ID Generator</Name>
+    <Synchronization>Synchronous</Synchronization>
+    <Type>10006</Type>
+    <SequenceNumber>1003</SequenceNumber>
+    <Assembly>Microsoft.Office.DocumentManagement, Version=14.0.0.0, Culture=neutral, PublicKeyToken=71e9bce111e9429c</Assembly>
+    <Class>Microsoft.Office.DocumentManagement.Internal.DocIdHandler</Class>
+    <Data/>
+    <Filter/>
+  </Receiver>
+</spe:Receivers>
+</file>
+
 <file path=customXml/item4.xml><?xml version="1.0" encoding="utf-8"?>
 <p:properties xmlns:p="http://schemas.microsoft.com/office/2006/metadata/properties" xmlns:xsi="http://www.w3.org/2001/XMLSchema-instance" xmlns:pc="http://schemas.microsoft.com/office/infopath/2007/PartnerControls">
   <documentManagement>
@@ -29987,22 +30327,6 @@
 </file>
 
 <file path=customXml/itemProps1.xml><?xml version="1.0" encoding="utf-8"?>
-<ds:datastoreItem xmlns:ds="http://schemas.openxmlformats.org/officeDocument/2006/customXml" ds:itemID="{5CDEB364-43EC-4510-9881-539C2A3FCE9E}">
-  <ds:schemaRefs>
-    <ds:schemaRef ds:uri="http://schemas.microsoft.com/sharepoint/v3/contenttype/forms"/>
-  </ds:schemaRefs>
-</ds:datastoreItem>
-</file>
-
-<file path=customXml/itemProps2.xml><?xml version="1.0" encoding="utf-8"?>
-<ds:datastoreItem xmlns:ds="http://schemas.openxmlformats.org/officeDocument/2006/customXml" ds:itemID="{B13EBC30-FE27-4C6A-B723-23FC2188F7DC}">
-  <ds:schemaRefs>
-    <ds:schemaRef ds:uri="http://schemas.microsoft.com/sharepoint/events"/>
-  </ds:schemaRefs>
-</ds:datastoreItem>
-</file>
-
-<file path=customXml/itemProps3.xml><?xml version="1.0" encoding="utf-8"?>
 <ds:datastoreItem xmlns:ds="http://schemas.openxmlformats.org/officeDocument/2006/customXml" ds:itemID="{164479E5-0B02-49AC-B79E-EC1D6164DDD3}">
   <ds:schemaRefs>
     <ds:schemaRef ds:uri="http://schemas.microsoft.com/office/2006/metadata/contentType"/>
@@ -30016,6 +30340,22 @@
     <ds:schemaRef ds:uri="http://purl.org/dc/elements/1.1/"/>
     <ds:schemaRef ds:uri="http://purl.org/dc/terms/"/>
     <ds:schemaRef ds:uri="http://schemas.microsoft.com/internal/obd"/>
+  </ds:schemaRefs>
+</ds:datastoreItem>
+</file>
+
+<file path=customXml/itemProps2.xml><?xml version="1.0" encoding="utf-8"?>
+<ds:datastoreItem xmlns:ds="http://schemas.openxmlformats.org/officeDocument/2006/customXml" ds:itemID="{5CDEB364-43EC-4510-9881-539C2A3FCE9E}">
+  <ds:schemaRefs>
+    <ds:schemaRef ds:uri="http://schemas.microsoft.com/sharepoint/v3/contenttype/forms"/>
+  </ds:schemaRefs>
+</ds:datastoreItem>
+</file>
+
+<file path=customXml/itemProps3.xml><?xml version="1.0" encoding="utf-8"?>
+<ds:datastoreItem xmlns:ds="http://schemas.openxmlformats.org/officeDocument/2006/customXml" ds:itemID="{B13EBC30-FE27-4C6A-B723-23FC2188F7DC}">
+  <ds:schemaRefs>
+    <ds:schemaRef ds:uri="http://schemas.microsoft.com/sharepoint/events"/>
   </ds:schemaRefs>
 </ds:datastoreItem>
 </file>
